--- a/_SLIDES/2020_DEEL1/H4- Werken met data/H4_Debuggen.pptx
+++ b/_SLIDES/2020_DEEL1/H4- Werken met data/H4_Debuggen.pptx
@@ -5,10 +5,10 @@
     <p:sldMasterId id="2147483684" r:id="rId1"/>
   </p:sldMasterIdLst>
   <p:notesMasterIdLst>
-    <p:notesMasterId r:id="rId20"/>
+    <p:notesMasterId r:id="rId21"/>
   </p:notesMasterIdLst>
   <p:handoutMasterIdLst>
-    <p:handoutMasterId r:id="rId21"/>
+    <p:handoutMasterId r:id="rId22"/>
   </p:handoutMasterIdLst>
   <p:sldIdLst>
     <p:sldId id="299" r:id="rId2"/>
@@ -29,34 +29,35 @@
     <p:sldId id="271" r:id="rId17"/>
     <p:sldId id="272" r:id="rId18"/>
     <p:sldId id="273" r:id="rId19"/>
+    <p:sldId id="330" r:id="rId20"/>
   </p:sldIdLst>
   <p:sldSz cx="12192000" cy="6858000"/>
   <p:notesSz cx="7099300" cy="10234613"/>
   <p:embeddedFontLst>
     <p:embeddedFont>
-      <p:font typeface="Archivo Narrow" panose="020B0506020202020B04" pitchFamily="34" charset="0"/>
-      <p:regular r:id="rId22"/>
-      <p:bold r:id="rId23"/>
-      <p:italic r:id="rId24"/>
+      <p:font typeface="Archivo Narrow" panose="020B0604020202020204" charset="0"/>
+      <p:regular r:id="rId23"/>
+      <p:bold r:id="rId24"/>
+      <p:italic r:id="rId25"/>
     </p:embeddedFont>
     <p:embeddedFont>
-      <p:font typeface="Blogger Sans" panose="02000506030000020004" pitchFamily="50" charset="0"/>
-      <p:regular r:id="rId25"/>
-      <p:bold r:id="rId26"/>
+      <p:font typeface="Blogger Sans" panose="02000506030000020004" charset="0"/>
+      <p:regular r:id="rId26"/>
+      <p:bold r:id="rId27"/>
     </p:embeddedFont>
     <p:embeddedFont>
       <p:font typeface="Calibri" panose="020F0502020204030204" pitchFamily="34" charset="0"/>
-      <p:regular r:id="rId27"/>
-      <p:bold r:id="rId28"/>
-      <p:italic r:id="rId29"/>
-      <p:boldItalic r:id="rId30"/>
+      <p:regular r:id="rId28"/>
+      <p:bold r:id="rId29"/>
+      <p:italic r:id="rId30"/>
+      <p:boldItalic r:id="rId31"/>
     </p:embeddedFont>
     <p:embeddedFont>
       <p:font typeface="Consolas" panose="020B0609020204030204" pitchFamily="49" charset="0"/>
-      <p:regular r:id="rId31"/>
-      <p:bold r:id="rId32"/>
-      <p:italic r:id="rId33"/>
-      <p:boldItalic r:id="rId34"/>
+      <p:regular r:id="rId32"/>
+      <p:bold r:id="rId33"/>
+      <p:italic r:id="rId34"/>
+      <p:boldItalic r:id="rId35"/>
     </p:embeddedFont>
   </p:embeddedFontLst>
   <p:defaultTextStyle>
@@ -6495,7 +6496,7 @@
           <a:p>
             <a:fld id="{85EE1F57-E73E-475C-872F-886F27274373}" type="datetimeFigureOut">
               <a:rPr lang="nl-BE" smtClean="0"/>
-              <a:t>18/10/2020</a:t>
+              <a:t>2/05/2023</a:t>
             </a:fld>
             <a:endParaRPr lang="nl-BE"/>
           </a:p>
@@ -6660,7 +6661,7 @@
           <a:p>
             <a:fld id="{E0BBF532-A5DD-4E27-82A5-D972027CDA5D}" type="datetimeFigureOut">
               <a:rPr lang="nl-BE" smtClean="0"/>
-              <a:t>18/10/2020</a:t>
+              <a:t>2/05/2023</a:t>
             </a:fld>
             <a:endParaRPr lang="nl-BE"/>
           </a:p>
@@ -9018,7 +9019,7 @@
           <a:p>
             <a:fld id="{59F69171-8AD3-4C6E-ACC3-F75E2D8266EB}" type="datetime1">
               <a:rPr lang="nl-BE" smtClean="0"/>
-              <a:t>18/10/2020</a:t>
+              <a:t>2/05/2023</a:t>
             </a:fld>
             <a:endParaRPr lang="nl-BE" dirty="0"/>
           </a:p>
@@ -9046,8 +9047,8 @@
           <a:lstStyle/>
           <a:p>
             <a:r>
-              <a:rPr lang="nl-BE"/>
-              <a:t>Zie Scherp</a:t>
+              <a:rPr lang="nl-BE" dirty="0"/>
+              <a:t>Zie Scherp Scherper</a:t>
             </a:r>
           </a:p>
         </p:txBody>
@@ -9314,7 +9315,7 @@
           <a:p>
             <a:fld id="{705F2185-EB57-4DF0-844E-C8B667D7E0D5}" type="datetime1">
               <a:rPr lang="nl-BE" smtClean="0"/>
-              <a:t>18/10/2020</a:t>
+              <a:t>2/05/2023</a:t>
             </a:fld>
             <a:endParaRPr lang="nl-BE"/>
           </a:p>
@@ -9342,8 +9343,8 @@
           <a:lstStyle/>
           <a:p>
             <a:r>
-              <a:rPr lang="nl-BE"/>
-              <a:t>Zie Scherp</a:t>
+              <a:rPr lang="nl-BE" dirty="0"/>
+              <a:t>Zie Scherp Scherper</a:t>
             </a:r>
           </a:p>
         </p:txBody>
@@ -9527,7 +9528,7 @@
           <a:p>
             <a:fld id="{1D1577DC-1F06-4783-A3BF-4B5238F9689E}" type="datetime1">
               <a:rPr lang="nl-BE" smtClean="0"/>
-              <a:t>18/10/2020</a:t>
+              <a:t>2/05/2023</a:t>
             </a:fld>
             <a:endParaRPr lang="nl-BE"/>
           </a:p>
@@ -9555,8 +9556,8 @@
           <a:lstStyle/>
           <a:p>
             <a:r>
-              <a:rPr lang="nl-BE"/>
-              <a:t>Zie Scherp</a:t>
+              <a:rPr lang="nl-BE" dirty="0"/>
+              <a:t>Zie Scherp Scherper</a:t>
             </a:r>
           </a:p>
         </p:txBody>
@@ -9760,7 +9761,7 @@
           <a:p>
             <a:fld id="{532C4BB1-21CD-4247-A903-A5CF96BCEFE6}" type="datetime1">
               <a:rPr lang="nl-BE" smtClean="0"/>
-              <a:t>18/10/2020</a:t>
+              <a:t>2/05/2023</a:t>
             </a:fld>
             <a:endParaRPr lang="nl-BE"/>
           </a:p>
@@ -9788,10 +9789,9 @@
           <a:lstStyle/>
           <a:p>
             <a:r>
-              <a:rPr lang="nl-BE"/>
-              <a:t>Zie Scherp</a:t>
-            </a:r>
-            <a:endParaRPr lang="nl-BE" dirty="0"/>
+              <a:rPr lang="nl-BE" dirty="0"/>
+              <a:t>Zie Scherp Scherper</a:t>
+            </a:r>
           </a:p>
         </p:txBody>
       </p:sp>
@@ -10040,7 +10040,7 @@
           <a:p>
             <a:fld id="{A6BD4CA6-02F0-4409-ADA5-1C2890AB8CA0}" type="datetime1">
               <a:rPr lang="nl-BE" smtClean="0"/>
-              <a:t>18/10/2020</a:t>
+              <a:t>2/05/2023</a:t>
             </a:fld>
             <a:endParaRPr lang="nl-BE"/>
           </a:p>
@@ -10068,8 +10068,8 @@
           <a:lstStyle/>
           <a:p>
             <a:r>
-              <a:rPr lang="nl-BE"/>
-              <a:t>Zie Scherp</a:t>
+              <a:rPr lang="nl-BE" dirty="0"/>
+              <a:t>Zie Scherp Scherper</a:t>
             </a:r>
           </a:p>
         </p:txBody>
@@ -10311,7 +10311,7 @@
           <a:p>
             <a:fld id="{80F43CF5-A5B6-433D-888F-ACEE4A1BAD18}" type="datetime1">
               <a:rPr lang="nl-BE" smtClean="0"/>
-              <a:t>18/10/2020</a:t>
+              <a:t>2/05/2023</a:t>
             </a:fld>
             <a:endParaRPr lang="nl-BE"/>
           </a:p>
@@ -10339,8 +10339,8 @@
           <a:lstStyle/>
           <a:p>
             <a:r>
-              <a:rPr lang="nl-BE"/>
-              <a:t>Zie Scherp</a:t>
+              <a:rPr lang="nl-BE" dirty="0"/>
+              <a:t>Zie Scherp Scherper</a:t>
             </a:r>
           </a:p>
         </p:txBody>
@@ -10729,7 +10729,7 @@
           <a:p>
             <a:fld id="{05DC44E7-8D57-49C5-86E0-7A264CAC31DB}" type="datetime1">
               <a:rPr lang="nl-BE" smtClean="0"/>
-              <a:t>18/10/2020</a:t>
+              <a:t>2/05/2023</a:t>
             </a:fld>
             <a:endParaRPr lang="nl-BE"/>
           </a:p>
@@ -10757,8 +10757,8 @@
           <a:lstStyle/>
           <a:p>
             <a:r>
-              <a:rPr lang="nl-BE"/>
-              <a:t>Zie Scherp</a:t>
+              <a:rPr lang="nl-BE" dirty="0"/>
+              <a:t>Zie Scherp Scherper</a:t>
             </a:r>
           </a:p>
         </p:txBody>
@@ -10874,7 +10874,7 @@
           <a:p>
             <a:fld id="{E2F2FCB5-F08A-45FB-9B5C-545643D73581}" type="datetime1">
               <a:rPr lang="nl-BE" smtClean="0"/>
-              <a:t>18/10/2020</a:t>
+              <a:t>2/05/2023</a:t>
             </a:fld>
             <a:endParaRPr lang="nl-BE"/>
           </a:p>
@@ -10902,8 +10902,8 @@
           <a:lstStyle/>
           <a:p>
             <a:r>
-              <a:rPr lang="nl-BE"/>
-              <a:t>Zie Scherp</a:t>
+              <a:rPr lang="nl-BE" dirty="0"/>
+              <a:t>Zie Scherp Scherper</a:t>
             </a:r>
           </a:p>
         </p:txBody>
@@ -10990,7 +10990,7 @@
           <a:p>
             <a:fld id="{FA61941D-C188-4200-9DCF-632E0EA69DDE}" type="datetime1">
               <a:rPr lang="nl-BE" smtClean="0"/>
-              <a:t>18/10/2020</a:t>
+              <a:t>2/05/2023</a:t>
             </a:fld>
             <a:endParaRPr lang="nl-BE"/>
           </a:p>
@@ -11018,8 +11018,8 @@
           <a:lstStyle/>
           <a:p>
             <a:r>
-              <a:rPr lang="nl-BE"/>
-              <a:t>Zie Scherp</a:t>
+              <a:rPr lang="nl-BE" dirty="0"/>
+              <a:t>Zie Scherp Scherper</a:t>
             </a:r>
           </a:p>
         </p:txBody>
@@ -11306,7 +11306,7 @@
           <a:p>
             <a:fld id="{7BE774D7-6155-4F5A-8D3B-0B35058D0091}" type="datetime1">
               <a:rPr lang="nl-BE" smtClean="0"/>
-              <a:t>18/10/2020</a:t>
+              <a:t>2/05/2023</a:t>
             </a:fld>
             <a:endParaRPr lang="nl-BE"/>
           </a:p>
@@ -11334,8 +11334,8 @@
           <a:lstStyle/>
           <a:p>
             <a:r>
-              <a:rPr lang="nl-BE"/>
-              <a:t>Zie Scherp</a:t>
+              <a:rPr lang="nl-BE" dirty="0"/>
+              <a:t>Zie Scherp Scherper</a:t>
             </a:r>
           </a:p>
         </p:txBody>
@@ -11602,7 +11602,7 @@
           <a:p>
             <a:fld id="{12F5F280-0401-4EF7-9F19-035A70BB1C46}" type="datetime1">
               <a:rPr lang="nl-BE" smtClean="0"/>
-              <a:t>18/10/2020</a:t>
+              <a:t>2/05/2023</a:t>
             </a:fld>
             <a:endParaRPr lang="nl-BE"/>
           </a:p>
@@ -11630,8 +11630,8 @@
           <a:lstStyle/>
           <a:p>
             <a:r>
-              <a:rPr lang="nl-BE"/>
-              <a:t>Zie Scherp</a:t>
+              <a:rPr lang="nl-BE" dirty="0"/>
+              <a:t>Zie Scherp Scherper</a:t>
             </a:r>
           </a:p>
         </p:txBody>
@@ -11848,7 +11848,7 @@
           <a:p>
             <a:fld id="{B3CE697F-E569-479F-82B1-F273019AABCB}" type="datetime1">
               <a:rPr lang="nl-BE" smtClean="0"/>
-              <a:t>18/10/2020</a:t>
+              <a:t>2/05/2023</a:t>
             </a:fld>
             <a:endParaRPr lang="nl-BE"/>
           </a:p>
@@ -11894,10 +11894,9 @@
           </a:lstStyle>
           <a:p>
             <a:r>
-              <a:rPr lang="nl-BE"/>
-              <a:t>Zie Scherp</a:t>
-            </a:r>
-            <a:endParaRPr lang="nl-BE" dirty="0"/>
+              <a:rPr lang="nl-BE" dirty="0"/>
+              <a:t>Zie Scherp Scherper</a:t>
+            </a:r>
           </a:p>
         </p:txBody>
       </p:sp>
@@ -12660,10 +12659,9 @@
           <a:lstStyle/>
           <a:p>
             <a:r>
-              <a:rPr lang="nl-BE"/>
-              <a:t>Zie Scherp</a:t>
-            </a:r>
-            <a:endParaRPr lang="nl-BE" dirty="0"/>
+              <a:rPr lang="nl-BE" dirty="0"/>
+              <a:t>Zie Scherp Scherper</a:t>
+            </a:r>
           </a:p>
         </p:txBody>
       </p:sp>
@@ -12811,10 +12809,9 @@
           <a:lstStyle/>
           <a:p>
             <a:r>
-              <a:rPr lang="nl-BE"/>
-              <a:t>Zie Scherp</a:t>
-            </a:r>
-            <a:endParaRPr lang="nl-BE" dirty="0"/>
+              <a:rPr lang="nl-BE" dirty="0"/>
+              <a:t>Zie Scherp Scherper</a:t>
+            </a:r>
           </a:p>
         </p:txBody>
       </p:sp>
@@ -12970,10 +12967,9 @@
           <a:lstStyle/>
           <a:p>
             <a:r>
-              <a:rPr lang="nl-BE"/>
-              <a:t>Zie Scherp</a:t>
-            </a:r>
-            <a:endParaRPr lang="nl-BE" dirty="0"/>
+              <a:rPr lang="nl-BE" dirty="0"/>
+              <a:t>Zie Scherp Scherper</a:t>
+            </a:r>
           </a:p>
         </p:txBody>
       </p:sp>
@@ -13151,10 +13147,9 @@
           <a:lstStyle/>
           <a:p>
             <a:r>
-              <a:rPr lang="nl-BE"/>
-              <a:t>Zie Scherp</a:t>
-            </a:r>
-            <a:endParaRPr lang="nl-BE" dirty="0"/>
+              <a:rPr lang="nl-BE" dirty="0"/>
+              <a:t>Zie Scherp Scherper</a:t>
+            </a:r>
           </a:p>
         </p:txBody>
       </p:sp>
@@ -13296,10 +13291,9 @@
           <a:lstStyle/>
           <a:p>
             <a:r>
-              <a:rPr lang="nl-BE"/>
-              <a:t>Zie Scherp</a:t>
-            </a:r>
-            <a:endParaRPr lang="nl-BE" dirty="0"/>
+              <a:rPr lang="nl-BE" dirty="0"/>
+              <a:t>Zie Scherp Scherper</a:t>
+            </a:r>
           </a:p>
         </p:txBody>
       </p:sp>
@@ -13506,10 +13500,9 @@
           <a:lstStyle/>
           <a:p>
             <a:r>
-              <a:rPr lang="nl-BE"/>
-              <a:t>Zie Scherp</a:t>
-            </a:r>
-            <a:endParaRPr lang="nl-BE" dirty="0"/>
+              <a:rPr lang="nl-BE" dirty="0"/>
+              <a:t>Zie Scherp Scherper</a:t>
+            </a:r>
           </a:p>
         </p:txBody>
       </p:sp>
@@ -13859,8 +13852,8 @@
           <a:lstStyle/>
           <a:p>
             <a:r>
-              <a:rPr lang="nl-BE"/>
-              <a:t>Zie Scherp</a:t>
+              <a:rPr lang="nl-BE" dirty="0"/>
+              <a:t>Zie Scherp Scherper</a:t>
             </a:r>
           </a:p>
         </p:txBody>
@@ -14134,10 +14127,9 @@
           <a:lstStyle/>
           <a:p>
             <a:r>
-              <a:rPr lang="nl-BE"/>
-              <a:t>Zie Scherp</a:t>
-            </a:r>
-            <a:endParaRPr lang="nl-BE" dirty="0"/>
+              <a:rPr lang="nl-BE" dirty="0"/>
+              <a:t>Zie Scherp Scherper</a:t>
+            </a:r>
           </a:p>
         </p:txBody>
       </p:sp>
@@ -14349,10 +14341,9 @@
           <a:lstStyle/>
           <a:p>
             <a:r>
-              <a:rPr lang="nl-BE"/>
-              <a:t>Zie Scherp</a:t>
-            </a:r>
-            <a:endParaRPr lang="nl-BE" dirty="0"/>
+              <a:rPr lang="nl-BE" dirty="0"/>
+              <a:t>Zie Scherp Scherper</a:t>
+            </a:r>
           </a:p>
         </p:txBody>
       </p:sp>
@@ -14360,6 +14351,302 @@
     <p:extLst>
       <p:ext uri="{BB962C8B-B14F-4D97-AF65-F5344CB8AC3E}">
         <p14:creationId xmlns:p14="http://schemas.microsoft.com/office/powerpoint/2010/main" val="2212098109"/>
+      </p:ext>
+    </p:extLst>
+  </p:cSld>
+  <p:clrMapOvr>
+    <a:masterClrMapping/>
+  </p:clrMapOvr>
+</p:sld>
+</file>
+
+<file path=ppt/slides/slide19.xml><?xml version="1.0" encoding="utf-8"?>
+<p:sld xmlns:a="http://schemas.openxmlformats.org/drawingml/2006/main" xmlns:r="http://schemas.openxmlformats.org/officeDocument/2006/relationships" xmlns:p="http://schemas.openxmlformats.org/presentationml/2006/main">
+  <p:cSld>
+    <p:spTree>
+      <p:nvGrpSpPr>
+        <p:cNvPr id="1" name=""/>
+        <p:cNvGrpSpPr/>
+        <p:nvPr/>
+      </p:nvGrpSpPr>
+      <p:grpSpPr>
+        <a:xfrm>
+          <a:off x="0" y="0"/>
+          <a:ext cx="0" cy="0"/>
+          <a:chOff x="0" y="0"/>
+          <a:chExt cx="0" cy="0"/>
+        </a:xfrm>
+      </p:grpSpPr>
+      <p:sp>
+        <p:nvSpPr>
+          <p:cNvPr id="6" name="Rechthoek 5">
+            <a:extLst>
+              <a:ext uri="{FF2B5EF4-FFF2-40B4-BE49-F238E27FC236}">
+                <a16:creationId xmlns:a16="http://schemas.microsoft.com/office/drawing/2014/main" id="{C1CC89C1-DC1E-917B-D25E-69B5776D404F}"/>
+              </a:ext>
+            </a:extLst>
+          </p:cNvPr>
+          <p:cNvSpPr/>
+          <p:nvPr/>
+        </p:nvSpPr>
+        <p:spPr>
+          <a:xfrm>
+            <a:off x="838200" y="5085184"/>
+            <a:ext cx="10658400" cy="864096"/>
+          </a:xfrm>
+          <a:prstGeom prst="rect">
+            <a:avLst/>
+          </a:prstGeom>
+        </p:spPr>
+        <p:style>
+          <a:lnRef idx="2">
+            <a:schemeClr val="accent4">
+              <a:shade val="50000"/>
+            </a:schemeClr>
+          </a:lnRef>
+          <a:fillRef idx="1">
+            <a:schemeClr val="accent4"/>
+          </a:fillRef>
+          <a:effectRef idx="0">
+            <a:schemeClr val="accent4"/>
+          </a:effectRef>
+          <a:fontRef idx="minor">
+            <a:schemeClr val="lt1"/>
+          </a:fontRef>
+        </p:style>
+        <p:txBody>
+          <a:bodyPr rtlCol="0" anchor="ctr"/>
+          <a:lstStyle/>
+          <a:p>
+            <a:pPr algn="ctr"/>
+            <a:endParaRPr lang="nl-NL"/>
+          </a:p>
+        </p:txBody>
+      </p:sp>
+      <p:sp>
+        <p:nvSpPr>
+          <p:cNvPr id="2" name="Titel 1">
+            <a:extLst>
+              <a:ext uri="{FF2B5EF4-FFF2-40B4-BE49-F238E27FC236}">
+                <a16:creationId xmlns:a16="http://schemas.microsoft.com/office/drawing/2014/main" id="{6F8E1924-B892-8B5A-7836-BE57C96EF1D8}"/>
+              </a:ext>
+            </a:extLst>
+          </p:cNvPr>
+          <p:cNvSpPr>
+            <a:spLocks noGrp="1"/>
+          </p:cNvSpPr>
+          <p:nvPr>
+            <p:ph type="title"/>
+          </p:nvPr>
+        </p:nvSpPr>
+        <p:spPr/>
+        <p:txBody>
+          <a:bodyPr/>
+          <a:lstStyle/>
+          <a:p>
+            <a:r>
+              <a:rPr lang="en-US" dirty="0"/>
+              <a:t>Meer info</a:t>
+            </a:r>
+            <a:endParaRPr lang="nl-NL" dirty="0"/>
+          </a:p>
+        </p:txBody>
+      </p:sp>
+      <p:sp>
+        <p:nvSpPr>
+          <p:cNvPr id="3" name="Tijdelijke aanduiding voor inhoud 2">
+            <a:extLst>
+              <a:ext uri="{FF2B5EF4-FFF2-40B4-BE49-F238E27FC236}">
+                <a16:creationId xmlns:a16="http://schemas.microsoft.com/office/drawing/2014/main" id="{E732A4CC-42D6-F95B-C0C5-FF2A05D19786}"/>
+              </a:ext>
+            </a:extLst>
+          </p:cNvPr>
+          <p:cNvSpPr>
+            <a:spLocks noGrp="1"/>
+          </p:cNvSpPr>
+          <p:nvPr>
+            <p:ph idx="1"/>
+          </p:nvPr>
+        </p:nvSpPr>
+        <p:spPr>
+          <a:xfrm>
+            <a:off x="838200" y="1825624"/>
+            <a:ext cx="10515600" cy="4267671"/>
+          </a:xfrm>
+        </p:spPr>
+        <p:txBody>
+          <a:bodyPr>
+            <a:normAutofit fontScale="92500" lnSpcReduction="10000"/>
+          </a:bodyPr>
+          <a:lstStyle/>
+          <a:p>
+            <a:r>
+              <a:rPr lang="nl-BE" dirty="0"/>
+              <a:t>Slides gemaakt door </a:t>
+            </a:r>
+          </a:p>
+          <a:p>
+            <a:pPr lvl="1"/>
+            <a:r>
+              <a:rPr lang="nl-BE" dirty="0"/>
+              <a:t>Tim Dams (</a:t>
+            </a:r>
+            <a:r>
+              <a:rPr lang="nl-BE" dirty="0">
+                <a:hlinkClick r:id="rId2" action="ppaction://hlinkfile"/>
+              </a:rPr>
+              <a:t>ziescherp.be</a:t>
+            </a:r>
+            <a:r>
+              <a:rPr lang="nl-BE" dirty="0"/>
+              <a:t>), AP Hogeschool opleidingen elektronica-</a:t>
+            </a:r>
+            <a:r>
+              <a:rPr lang="nl-BE" dirty="0" err="1"/>
+              <a:t>ict</a:t>
+            </a:r>
+            <a:r>
+              <a:rPr lang="nl-BE" dirty="0"/>
+              <a:t> en toegepaste informatica</a:t>
+            </a:r>
+          </a:p>
+          <a:p>
+            <a:pPr lvl="1"/>
+            <a:endParaRPr lang="nl-BE" dirty="0"/>
+          </a:p>
+          <a:p>
+            <a:r>
+              <a:rPr lang="nl-BE" dirty="0"/>
+              <a:t>Sommige slides gebaseerd of gekopieerd van slidedecks van:</a:t>
+            </a:r>
+          </a:p>
+          <a:p>
+            <a:pPr lvl="1"/>
+            <a:r>
+              <a:rPr lang="nl-BE" sz="2200" dirty="0"/>
+              <a:t>Programmeren in C# door Douglas Bell en Mike Parr (vert. Kris Hermans)</a:t>
+            </a:r>
+          </a:p>
+          <a:p>
+            <a:pPr lvl="1"/>
+            <a:r>
+              <a:rPr lang="nl-BE" sz="2200" dirty="0"/>
+              <a:t>Microsoft Visual C# 2015: An </a:t>
+            </a:r>
+            <a:r>
+              <a:rPr lang="nl-BE" sz="2200" dirty="0" err="1"/>
+              <a:t>Introduction</a:t>
+            </a:r>
+            <a:r>
+              <a:rPr lang="nl-BE" sz="2200" dirty="0"/>
+              <a:t> </a:t>
+            </a:r>
+            <a:r>
+              <a:rPr lang="nl-BE" sz="2200" dirty="0" err="1"/>
+              <a:t>to</a:t>
+            </a:r>
+            <a:r>
+              <a:rPr lang="nl-BE" sz="2200" dirty="0"/>
+              <a:t> Object-</a:t>
+            </a:r>
+            <a:r>
+              <a:rPr lang="nl-BE" sz="2200" dirty="0" err="1"/>
+              <a:t>Oriented</a:t>
+            </a:r>
+            <a:r>
+              <a:rPr lang="nl-BE" sz="2200" dirty="0"/>
+              <a:t> Programming door Joyce </a:t>
+            </a:r>
+            <a:r>
+              <a:rPr lang="nl-BE" sz="2200" dirty="0" err="1"/>
+              <a:t>Farrell</a:t>
+            </a:r>
+            <a:endParaRPr lang="nl-BE" sz="2200" dirty="0"/>
+          </a:p>
+          <a:p>
+            <a:pPr lvl="1"/>
+            <a:r>
+              <a:rPr lang="nl-BE" dirty="0"/>
+              <a:t>E.a.</a:t>
+            </a:r>
+          </a:p>
+          <a:p>
+            <a:pPr lvl="1"/>
+            <a:endParaRPr lang="nl-BE" dirty="0"/>
+          </a:p>
+          <a:p>
+            <a:pPr lvl="1"/>
+            <a:endParaRPr lang="nl-BE" dirty="0"/>
+          </a:p>
+          <a:p>
+            <a:r>
+              <a:rPr lang="nl-BE" b="1" dirty="0"/>
+              <a:t>Slides mogen aangepast worden, op voorwaarde dat deze slide steeds achteraan de slidedeck staat.</a:t>
+            </a:r>
+          </a:p>
+        </p:txBody>
+      </p:sp>
+      <p:sp>
+        <p:nvSpPr>
+          <p:cNvPr id="4" name="Tijdelijke aanduiding voor voettekst 3">
+            <a:extLst>
+              <a:ext uri="{FF2B5EF4-FFF2-40B4-BE49-F238E27FC236}">
+                <a16:creationId xmlns:a16="http://schemas.microsoft.com/office/drawing/2014/main" id="{4C3978F3-3532-3F17-E9AB-E248272BA1E3}"/>
+              </a:ext>
+            </a:extLst>
+          </p:cNvPr>
+          <p:cNvSpPr>
+            <a:spLocks noGrp="1"/>
+          </p:cNvSpPr>
+          <p:nvPr>
+            <p:ph type="ftr" sz="quarter" idx="11"/>
+          </p:nvPr>
+        </p:nvSpPr>
+        <p:spPr/>
+        <p:txBody>
+          <a:bodyPr/>
+          <a:lstStyle/>
+          <a:p>
+            <a:r>
+              <a:rPr lang="nl-BE" dirty="0"/>
+              <a:t>Zie Scherp Scherper</a:t>
+            </a:r>
+          </a:p>
+        </p:txBody>
+      </p:sp>
+      <p:sp>
+        <p:nvSpPr>
+          <p:cNvPr id="5" name="Tijdelijke aanduiding voor dianummer 4">
+            <a:extLst>
+              <a:ext uri="{FF2B5EF4-FFF2-40B4-BE49-F238E27FC236}">
+                <a16:creationId xmlns:a16="http://schemas.microsoft.com/office/drawing/2014/main" id="{9769B4E3-C3FC-8575-9CA3-EE3F06738607}"/>
+              </a:ext>
+            </a:extLst>
+          </p:cNvPr>
+          <p:cNvSpPr>
+            <a:spLocks noGrp="1"/>
+          </p:cNvSpPr>
+          <p:nvPr>
+            <p:ph type="sldNum" sz="quarter" idx="12"/>
+          </p:nvPr>
+        </p:nvSpPr>
+        <p:spPr/>
+        <p:txBody>
+          <a:bodyPr/>
+          <a:lstStyle/>
+          <a:p>
+            <a:fld id="{E8A62353-F7CD-46ED-8877-B27D0E33FCF8}" type="slidenum">
+              <a:rPr lang="nl-BE" smtClean="0"/>
+              <a:t>19</a:t>
+            </a:fld>
+            <a:endParaRPr lang="nl-BE"/>
+          </a:p>
+        </p:txBody>
+      </p:sp>
+    </p:spTree>
+    <p:extLst>
+      <p:ext uri="{BB962C8B-B14F-4D97-AF65-F5344CB8AC3E}">
+        <p14:creationId xmlns:p14="http://schemas.microsoft.com/office/powerpoint/2010/main" val="106072752"/>
       </p:ext>
     </p:extLst>
   </p:cSld>
@@ -14597,8 +14884,8 @@
           <a:lstStyle/>
           <a:p>
             <a:r>
-              <a:rPr lang="nl-BE"/>
-              <a:t>Zie Scherp</a:t>
+              <a:rPr lang="nl-BE" dirty="0"/>
+              <a:t>Zie Scherp Scherper</a:t>
             </a:r>
           </a:p>
         </p:txBody>
@@ -14769,8 +15056,8 @@
           <a:lstStyle/>
           <a:p>
             <a:r>
-              <a:rPr lang="nl-BE"/>
-              <a:t>Zie Scherp</a:t>
+              <a:rPr lang="nl-BE" dirty="0"/>
+              <a:t>Zie Scherp Scherper</a:t>
             </a:r>
           </a:p>
         </p:txBody>
@@ -14906,10 +15193,9 @@
           <a:lstStyle/>
           <a:p>
             <a:r>
-              <a:rPr lang="nl-BE"/>
-              <a:t>Zie Scherp</a:t>
-            </a:r>
-            <a:endParaRPr lang="nl-BE" dirty="0"/>
+              <a:rPr lang="nl-BE" dirty="0"/>
+              <a:t>Zie Scherp Scherper</a:t>
+            </a:r>
           </a:p>
         </p:txBody>
       </p:sp>
@@ -15150,10 +15436,9 @@
           <a:lstStyle/>
           <a:p>
             <a:r>
-              <a:rPr lang="nl-BE"/>
-              <a:t>Zie Scherp</a:t>
-            </a:r>
-            <a:endParaRPr lang="nl-BE" dirty="0"/>
+              <a:rPr lang="nl-BE" dirty="0"/>
+              <a:t>Zie Scherp Scherper</a:t>
+            </a:r>
           </a:p>
         </p:txBody>
       </p:sp>
@@ -15348,10 +15633,9 @@
           <a:lstStyle/>
           <a:p>
             <a:r>
-              <a:rPr lang="nl-BE"/>
-              <a:t>Zie Scherp</a:t>
-            </a:r>
-            <a:endParaRPr lang="nl-BE" dirty="0"/>
+              <a:rPr lang="nl-BE" dirty="0"/>
+              <a:t>Zie Scherp Scherper</a:t>
+            </a:r>
           </a:p>
         </p:txBody>
       </p:sp>
@@ -15663,10 +15947,9 @@
               </a:spcAft>
             </a:pPr>
             <a:r>
-              <a:rPr lang="nl-BE"/>
-              <a:t>Zie Scherp</a:t>
-            </a:r>
-            <a:endParaRPr lang="nl-BE" dirty="0"/>
+              <a:rPr lang="nl-BE" dirty="0"/>
+              <a:t>Zie Scherp Scherper</a:t>
+            </a:r>
           </a:p>
         </p:txBody>
       </p:sp>
@@ -15945,10 +16228,9 @@
               </a:spcAft>
             </a:pPr>
             <a:r>
-              <a:rPr lang="nl-BE"/>
-              <a:t>Zie Scherp</a:t>
-            </a:r>
-            <a:endParaRPr lang="nl-BE" dirty="0"/>
+              <a:rPr lang="nl-BE" dirty="0"/>
+              <a:t>Zie Scherp Scherper</a:t>
+            </a:r>
           </a:p>
         </p:txBody>
       </p:sp>
@@ -16187,10 +16469,9 @@
               </a:spcAft>
             </a:pPr>
             <a:r>
-              <a:rPr lang="nl-BE"/>
-              <a:t>Zie Scherp</a:t>
-            </a:r>
-            <a:endParaRPr lang="nl-BE" dirty="0"/>
+              <a:rPr lang="nl-BE" dirty="0"/>
+              <a:t>Zie Scherp Scherper</a:t>
+            </a:r>
           </a:p>
         </p:txBody>
       </p:sp>
